--- a/materials/presentations/Big data [part 2].pptx
+++ b/materials/presentations/Big data [part 2].pptx
@@ -132,6 +132,43 @@
 </p:presentation>
 </file>
 
+<file path=ppt/revisionInfo.xml><?xml version="1.0" encoding="utf-8"?>
+<p1510:revInfo xmlns:a="http://schemas.openxmlformats.org/drawingml/2006/main" xmlns:r="http://schemas.openxmlformats.org/officeDocument/2006/relationships" xmlns:p1510="http://schemas.microsoft.com/office/powerpoint/2015/10/main">
+  <p1510:revLst>
+    <p1510:client id="{7E27ED4C-2FA6-8383-57BE-96D602D56AB1}" v="5" dt="2023-09-28T14:25:23.417"/>
+  </p1510:revLst>
+</p1510:revInfo>
+</file>
+
+<file path=ppt/changesInfos/changesInfo1.xml><?xml version="1.0" encoding="utf-8"?>
+<pc:chgInfo xmlns:a="http://schemas.openxmlformats.org/drawingml/2006/main" xmlns:r="http://schemas.openxmlformats.org/officeDocument/2006/relationships" xmlns:ac="http://schemas.microsoft.com/office/drawing/2013/main/command" xmlns:pc="http://schemas.microsoft.com/office/powerpoint/2013/main/command">
+  <pc:docChgLst>
+    <pc:chgData name="Aleksander Buczek" userId="S::aleksander.buczek@wroclaw.merito.pl::214dcb20-0035-4e74-a70c-49226de76d7c" providerId="AD" clId="Web-{7E27ED4C-2FA6-8383-57BE-96D602D56AB1}"/>
+    <pc:docChg chg="modSld">
+      <pc:chgData name="Aleksander Buczek" userId="S::aleksander.buczek@wroclaw.merito.pl::214dcb20-0035-4e74-a70c-49226de76d7c" providerId="AD" clId="Web-{7E27ED4C-2FA6-8383-57BE-96D602D56AB1}" dt="2023-09-28T14:25:22.636" v="4" actId="20577"/>
+      <pc:docMkLst>
+        <pc:docMk/>
+      </pc:docMkLst>
+      <pc:sldChg chg="modSp">
+        <pc:chgData name="Aleksander Buczek" userId="S::aleksander.buczek@wroclaw.merito.pl::214dcb20-0035-4e74-a70c-49226de76d7c" providerId="AD" clId="Web-{7E27ED4C-2FA6-8383-57BE-96D602D56AB1}" dt="2023-09-28T14:25:22.636" v="4" actId="20577"/>
+        <pc:sldMkLst>
+          <pc:docMk/>
+          <pc:sldMk cId="1309279033" sldId="256"/>
+        </pc:sldMkLst>
+        <pc:spChg chg="mod">
+          <ac:chgData name="Aleksander Buczek" userId="S::aleksander.buczek@wroclaw.merito.pl::214dcb20-0035-4e74-a70c-49226de76d7c" providerId="AD" clId="Web-{7E27ED4C-2FA6-8383-57BE-96D602D56AB1}" dt="2023-09-28T14:25:22.636" v="4" actId="20577"/>
+          <ac:spMkLst>
+            <pc:docMk/>
+            <pc:sldMk cId="1309279033" sldId="256"/>
+            <ac:spMk id="3" creationId="{78063B09-2BE3-40A3-B3B9-6E643D5471BB}"/>
+          </ac:spMkLst>
+        </pc:spChg>
+      </pc:sldChg>
+    </pc:docChg>
+  </pc:docChgLst>
+</pc:chgInfo>
+</file>
+
 <file path=ppt/slideLayouts/slideLayout1.xml><?xml version="1.0" encoding="utf-8"?>
 <p:sldLayout xmlns:a="http://schemas.openxmlformats.org/drawingml/2006/main" xmlns:r="http://schemas.openxmlformats.org/officeDocument/2006/relationships" xmlns:p="http://schemas.openxmlformats.org/presentationml/2006/main" showMasterSp="0" type="title" preserve="1">
   <p:cSld name="Slajd tytułowy">
@@ -324,7 +361,7 @@
             <a:fld id="{B61BEF0D-F0BB-DE4B-95CE-6DB70DBA9567}" type="datetimeFigureOut">
               <a:rPr lang="en-US" dirty="0"/>
               <a:pPr/>
-              <a:t>12/9/2022</a:t>
+              <a:t>9/28/2023</a:t>
             </a:fld>
             <a:endParaRPr lang="en-US" dirty="0"/>
           </a:p>
@@ -757,7 +794,7 @@
             <a:fld id="{B61BEF0D-F0BB-DE4B-95CE-6DB70DBA9567}" type="datetimeFigureOut">
               <a:rPr lang="en-US" dirty="0"/>
               <a:pPr/>
-              <a:t>12/9/2022</a:t>
+              <a:t>9/28/2023</a:t>
             </a:fld>
             <a:endParaRPr lang="en-US" dirty="0"/>
           </a:p>
@@ -1004,7 +1041,7 @@
             <a:fld id="{B61BEF0D-F0BB-DE4B-95CE-6DB70DBA9567}" type="datetimeFigureOut">
               <a:rPr lang="en-US" dirty="0"/>
               <a:pPr/>
-              <a:t>12/9/2022</a:t>
+              <a:t>9/28/2023</a:t>
             </a:fld>
             <a:endParaRPr lang="en-US" dirty="0"/>
           </a:p>
@@ -1309,7 +1346,7 @@
             <a:fld id="{B61BEF0D-F0BB-DE4B-95CE-6DB70DBA9567}" type="datetimeFigureOut">
               <a:rPr lang="en-US" dirty="0"/>
               <a:pPr/>
-              <a:t>12/9/2022</a:t>
+              <a:t>9/28/2023</a:t>
             </a:fld>
             <a:endParaRPr lang="en-US" dirty="0"/>
           </a:p>
@@ -1624,7 +1661,7 @@
             <a:fld id="{B61BEF0D-F0BB-DE4B-95CE-6DB70DBA9567}" type="datetimeFigureOut">
               <a:rPr lang="en-US" dirty="0"/>
               <a:pPr/>
-              <a:t>12/9/2022</a:t>
+              <a:t>9/28/2023</a:t>
             </a:fld>
             <a:endParaRPr lang="en-US" dirty="0"/>
           </a:p>
@@ -1923,7 +1960,7 @@
             <a:fld id="{B61BEF0D-F0BB-DE4B-95CE-6DB70DBA9567}" type="datetimeFigureOut">
               <a:rPr lang="en-US" dirty="0"/>
               <a:pPr/>
-              <a:t>12/9/2022</a:t>
+              <a:t>9/28/2023</a:t>
             </a:fld>
             <a:endParaRPr lang="en-US" dirty="0"/>
           </a:p>
@@ -2287,7 +2324,7 @@
             <a:fld id="{B61BEF0D-F0BB-DE4B-95CE-6DB70DBA9567}" type="datetimeFigureOut">
               <a:rPr lang="en-US" dirty="0"/>
               <a:pPr/>
-              <a:t>12/9/2022</a:t>
+              <a:t>9/28/2023</a:t>
             </a:fld>
             <a:endParaRPr lang="en-US" dirty="0"/>
           </a:p>
@@ -2458,7 +2495,7 @@
             <a:fld id="{B61BEF0D-F0BB-DE4B-95CE-6DB70DBA9567}" type="datetimeFigureOut">
               <a:rPr lang="en-US" dirty="0"/>
               <a:pPr/>
-              <a:t>12/9/2022</a:t>
+              <a:t>9/28/2023</a:t>
             </a:fld>
             <a:endParaRPr lang="en-US" dirty="0"/>
           </a:p>
@@ -2635,7 +2672,7 @@
             <a:fld id="{B61BEF0D-F0BB-DE4B-95CE-6DB70DBA9567}" type="datetimeFigureOut">
               <a:rPr lang="en-US" dirty="0"/>
               <a:pPr/>
-              <a:t>12/9/2022</a:t>
+              <a:t>9/28/2023</a:t>
             </a:fld>
             <a:endParaRPr lang="en-US" dirty="0"/>
           </a:p>
@@ -2802,7 +2839,7 @@
             <a:fld id="{B61BEF0D-F0BB-DE4B-95CE-6DB70DBA9567}" type="datetimeFigureOut">
               <a:rPr lang="en-US" dirty="0"/>
               <a:pPr/>
-              <a:t>12/9/2022</a:t>
+              <a:t>9/28/2023</a:t>
             </a:fld>
             <a:endParaRPr lang="en-US" dirty="0"/>
           </a:p>
@@ -3049,7 +3086,7 @@
             <a:fld id="{B61BEF0D-F0BB-DE4B-95CE-6DB70DBA9567}" type="datetimeFigureOut">
               <a:rPr lang="en-US" dirty="0"/>
               <a:pPr/>
-              <a:t>12/9/2022</a:t>
+              <a:t>9/28/2023</a:t>
             </a:fld>
             <a:endParaRPr lang="en-US" dirty="0"/>
           </a:p>
@@ -3282,7 +3319,7 @@
             <a:fld id="{B61BEF0D-F0BB-DE4B-95CE-6DB70DBA9567}" type="datetimeFigureOut">
               <a:rPr lang="en-US" dirty="0"/>
               <a:pPr/>
-              <a:t>12/9/2022</a:t>
+              <a:t>9/28/2023</a:t>
             </a:fld>
             <a:endParaRPr lang="en-US" dirty="0"/>
           </a:p>
@@ -3661,7 +3698,7 @@
             <a:fld id="{B61BEF0D-F0BB-DE4B-95CE-6DB70DBA9567}" type="datetimeFigureOut">
               <a:rPr lang="en-US" dirty="0"/>
               <a:pPr/>
-              <a:t>12/9/2022</a:t>
+              <a:t>9/28/2023</a:t>
             </a:fld>
             <a:endParaRPr lang="en-US" dirty="0"/>
           </a:p>
@@ -3776,7 +3813,7 @@
             <a:fld id="{B61BEF0D-F0BB-DE4B-95CE-6DB70DBA9567}" type="datetimeFigureOut">
               <a:rPr lang="en-US" dirty="0"/>
               <a:pPr/>
-              <a:t>12/9/2022</a:t>
+              <a:t>9/28/2023</a:t>
             </a:fld>
             <a:endParaRPr lang="en-US" dirty="0"/>
           </a:p>
@@ -3868,7 +3905,7 @@
             <a:fld id="{B61BEF0D-F0BB-DE4B-95CE-6DB70DBA9567}" type="datetimeFigureOut">
               <a:rPr lang="en-US" dirty="0"/>
               <a:pPr/>
-              <a:t>12/9/2022</a:t>
+              <a:t>9/28/2023</a:t>
             </a:fld>
             <a:endParaRPr lang="en-US" dirty="0"/>
           </a:p>
@@ -4120,7 +4157,7 @@
             <a:fld id="{B61BEF0D-F0BB-DE4B-95CE-6DB70DBA9567}" type="datetimeFigureOut">
               <a:rPr lang="en-US" dirty="0"/>
               <a:pPr/>
-              <a:t>12/9/2022</a:t>
+              <a:t>9/28/2023</a:t>
             </a:fld>
             <a:endParaRPr lang="en-US" dirty="0"/>
           </a:p>
@@ -4400,7 +4437,7 @@
             <a:fld id="{B61BEF0D-F0BB-DE4B-95CE-6DB70DBA9567}" type="datetimeFigureOut">
               <a:rPr lang="en-US" dirty="0"/>
               <a:pPr/>
-              <a:t>12/9/2022</a:t>
+              <a:t>9/28/2023</a:t>
             </a:fld>
             <a:endParaRPr lang="en-US" dirty="0"/>
           </a:p>
@@ -4803,7 +4840,7 @@
             <a:fld id="{B61BEF0D-F0BB-DE4B-95CE-6DB70DBA9567}" type="datetimeFigureOut">
               <a:rPr lang="en-US" dirty="0"/>
               <a:pPr/>
-              <a:t>12/9/2022</a:t>
+              <a:t>9/28/2023</a:t>
             </a:fld>
             <a:endParaRPr lang="en-US" dirty="0"/>
           </a:p>
@@ -5381,7 +5418,7 @@
         <p:spPr/>
         <p:txBody>
           <a:bodyPr>
-            <a:normAutofit fontScale="92500" lnSpcReduction="10000"/>
+            <a:normAutofit/>
           </a:bodyPr>
           <a:lstStyle/>
           <a:p>
@@ -5393,17 +5430,6 @@
               </a:rPr>
               <a:t>Temat: Big Data</a:t>
             </a:r>
-            <a:endParaRPr lang="pl-PL" dirty="0"/>
-          </a:p>
-          <a:p>
-            <a:r>
-              <a:rPr lang="pl-PL" dirty="0">
-                <a:solidFill>
-                  <a:schemeClr val="tx1"/>
-                </a:solidFill>
-              </a:rPr>
-              <a:t>Autor: Bartłomiej Parowicz</a:t>
-            </a:r>
             <a:br>
               <a:rPr lang="en-US" dirty="0">
                 <a:solidFill>
@@ -5411,7 +5437,7 @@
                 </a:solidFill>
               </a:rPr>
             </a:br>
-            <a:endParaRPr lang="en-US" dirty="0">
+            <a:endParaRPr lang="en-US">
               <a:solidFill>
                 <a:schemeClr val="tx1"/>
               </a:solidFill>
@@ -5463,7 +5489,7 @@
                   <a:schemeClr val="tx1"/>
                 </a:solidFill>
               </a:rPr>
-              <a:t>@wroclaw.wsb.pl</a:t>
+              <a:t>@wroclaw.merito.pl</a:t>
             </a:r>
           </a:p>
         </p:txBody>
